--- a/WEB SCRAPING/Web Scraping.pptx
+++ b/WEB SCRAPING/Web Scraping.pptx
@@ -283,7 +283,7 @@
           <a:p>
             <a:fld id="{CA65E612-F3EF-404B-81C5-D4FDE657CD83}" type="datetimeFigureOut">
               <a:rPr lang="es-PE" smtClean="0"/>
-              <a:t>17/07/2024</a:t>
+              <a:t>18/07/2024</a:t>
             </a:fld>
             <a:endParaRPr lang="es-PE"/>
           </a:p>
@@ -483,7 +483,7 @@
           <a:p>
             <a:fld id="{CA65E612-F3EF-404B-81C5-D4FDE657CD83}" type="datetimeFigureOut">
               <a:rPr lang="es-PE" smtClean="0"/>
-              <a:t>17/07/2024</a:t>
+              <a:t>18/07/2024</a:t>
             </a:fld>
             <a:endParaRPr lang="es-PE"/>
           </a:p>
@@ -693,7 +693,7 @@
           <a:p>
             <a:fld id="{CA65E612-F3EF-404B-81C5-D4FDE657CD83}" type="datetimeFigureOut">
               <a:rPr lang="es-PE" smtClean="0"/>
-              <a:t>17/07/2024</a:t>
+              <a:t>18/07/2024</a:t>
             </a:fld>
             <a:endParaRPr lang="es-PE"/>
           </a:p>
@@ -893,7 +893,7 @@
           <a:p>
             <a:fld id="{CA65E612-F3EF-404B-81C5-D4FDE657CD83}" type="datetimeFigureOut">
               <a:rPr lang="es-PE" smtClean="0"/>
-              <a:t>17/07/2024</a:t>
+              <a:t>18/07/2024</a:t>
             </a:fld>
             <a:endParaRPr lang="es-PE"/>
           </a:p>
@@ -1169,7 +1169,7 @@
           <a:p>
             <a:fld id="{CA65E612-F3EF-404B-81C5-D4FDE657CD83}" type="datetimeFigureOut">
               <a:rPr lang="es-PE" smtClean="0"/>
-              <a:t>17/07/2024</a:t>
+              <a:t>18/07/2024</a:t>
             </a:fld>
             <a:endParaRPr lang="es-PE"/>
           </a:p>
@@ -1437,7 +1437,7 @@
           <a:p>
             <a:fld id="{CA65E612-F3EF-404B-81C5-D4FDE657CD83}" type="datetimeFigureOut">
               <a:rPr lang="es-PE" smtClean="0"/>
-              <a:t>17/07/2024</a:t>
+              <a:t>18/07/2024</a:t>
             </a:fld>
             <a:endParaRPr lang="es-PE"/>
           </a:p>
@@ -1852,7 +1852,7 @@
           <a:p>
             <a:fld id="{CA65E612-F3EF-404B-81C5-D4FDE657CD83}" type="datetimeFigureOut">
               <a:rPr lang="es-PE" smtClean="0"/>
-              <a:t>17/07/2024</a:t>
+              <a:t>18/07/2024</a:t>
             </a:fld>
             <a:endParaRPr lang="es-PE"/>
           </a:p>
@@ -1994,7 +1994,7 @@
           <a:p>
             <a:fld id="{CA65E612-F3EF-404B-81C5-D4FDE657CD83}" type="datetimeFigureOut">
               <a:rPr lang="es-PE" smtClean="0"/>
-              <a:t>17/07/2024</a:t>
+              <a:t>18/07/2024</a:t>
             </a:fld>
             <a:endParaRPr lang="es-PE"/>
           </a:p>
@@ -2107,7 +2107,7 @@
           <a:p>
             <a:fld id="{CA65E612-F3EF-404B-81C5-D4FDE657CD83}" type="datetimeFigureOut">
               <a:rPr lang="es-PE" smtClean="0"/>
-              <a:t>17/07/2024</a:t>
+              <a:t>18/07/2024</a:t>
             </a:fld>
             <a:endParaRPr lang="es-PE"/>
           </a:p>
@@ -2420,7 +2420,7 @@
           <a:p>
             <a:fld id="{CA65E612-F3EF-404B-81C5-D4FDE657CD83}" type="datetimeFigureOut">
               <a:rPr lang="es-PE" smtClean="0"/>
-              <a:t>17/07/2024</a:t>
+              <a:t>18/07/2024</a:t>
             </a:fld>
             <a:endParaRPr lang="es-PE"/>
           </a:p>
@@ -2709,7 +2709,7 @@
           <a:p>
             <a:fld id="{CA65E612-F3EF-404B-81C5-D4FDE657CD83}" type="datetimeFigureOut">
               <a:rPr lang="es-PE" smtClean="0"/>
-              <a:t>17/07/2024</a:t>
+              <a:t>18/07/2024</a:t>
             </a:fld>
             <a:endParaRPr lang="es-PE"/>
           </a:p>
@@ -2952,7 +2952,7 @@
           <a:p>
             <a:fld id="{CA65E612-F3EF-404B-81C5-D4FDE657CD83}" type="datetimeFigureOut">
               <a:rPr lang="es-PE" smtClean="0"/>
-              <a:t>17/07/2024</a:t>
+              <a:t>18/07/2024</a:t>
             </a:fld>
             <a:endParaRPr lang="es-PE"/>
           </a:p>
